--- a/DsDotNet/src/UnitTest/UnitTest.Model/ImportOfficeExample/Sample/Sub/Sub/Sub/StationLH.pptx
+++ b/DsDotNet/src/UnitTest/UnitTest.Model/ImportOfficeExample/Sample/Sub/Sub/Sub/StationLH.pptx
@@ -216,7 +216,7 @@
           <a:p>
             <a:fld id="{DD503887-5801-43A0-AEF9-041E8DDC2558}" type="datetimeFigureOut">
               <a:rPr lang="ko-KR" altLang="en-US" smtClean="0"/>
-              <a:t>2023-09-04</a:t>
+              <a:t>2023-09-05</a:t>
             </a:fld>
             <a:endParaRPr lang="ko-KR" altLang="en-US" dirty="0"/>
           </a:p>
@@ -393,7 +393,7 @@
           <a:p>
             <a:fld id="{95336A0E-57B1-4D4C-BD9B-2F72B5943464}" type="datetimeFigureOut">
               <a:rPr lang="ko-KR" altLang="en-US" smtClean="0"/>
-              <a:t>2023-09-04</a:t>
+              <a:t>2023-09-05</a:t>
             </a:fld>
             <a:endParaRPr lang="ko-KR" altLang="en-US" dirty="0"/>
           </a:p>
@@ -1507,7 +1507,7 @@
           <a:p>
             <a:fld id="{C984B0C4-64BA-4E4C-B5E6-A51EE3F6ED95}" type="datetime1">
               <a:rPr lang="ko-KR" altLang="en-US" smtClean="0"/>
-              <a:t>2023-09-04</a:t>
+              <a:t>2023-09-05</a:t>
             </a:fld>
             <a:endParaRPr lang="ko-KR" altLang="en-US" dirty="0"/>
           </a:p>
@@ -12429,6 +12429,68 @@
           </a:fontRef>
         </p:style>
       </p:cxnSp>
+      <p:sp>
+        <p:nvSpPr>
+          <p:cNvPr id="9" name="사각형: 모서리가 접힌 도형 8">
+            <a:extLst>
+              <a:ext uri="{FF2B5EF4-FFF2-40B4-BE49-F238E27FC236}">
+                <a16:creationId xmlns:a16="http://schemas.microsoft.com/office/drawing/2014/main" id="{C007577E-D505-1240-DEFD-283FE1D5A064}"/>
+              </a:ext>
+            </a:extLst>
+          </p:cNvPr>
+          <p:cNvSpPr/>
+          <p:nvPr/>
+        </p:nvSpPr>
+        <p:spPr>
+          <a:xfrm>
+            <a:off x="9936544" y="5731679"/>
+            <a:ext cx="1685035" cy="591039"/>
+          </a:xfrm>
+          <a:prstGeom prst="foldedCorner">
+            <a:avLst>
+              <a:gd name="adj" fmla="val 0"/>
+            </a:avLst>
+          </a:prstGeom>
+          <a:solidFill>
+            <a:schemeClr val="accent3">
+              <a:alpha val="50000"/>
+            </a:schemeClr>
+          </a:solidFill>
+          <a:ln>
+            <a:noFill/>
+          </a:ln>
+        </p:spPr>
+        <p:style>
+          <a:lnRef idx="0">
+            <a:scrgbClr r="0" g="0" b="0"/>
+          </a:lnRef>
+          <a:fillRef idx="0">
+            <a:scrgbClr r="0" g="0" b="0"/>
+          </a:fillRef>
+          <a:effectRef idx="0">
+            <a:scrgbClr r="0" g="0" b="0"/>
+          </a:effectRef>
+          <a:fontRef idx="minor">
+            <a:schemeClr val="lt1"/>
+          </a:fontRef>
+        </p:style>
+        <p:txBody>
+          <a:bodyPr rtlCol="0" anchor="ctr"/>
+          <a:lstStyle/>
+          <a:p>
+            <a:pPr algn="ctr"/>
+            <a:r>
+              <a:rPr lang="en-US" altLang="ko-KR" sz="900" dirty="0" err="1"/>
+              <a:t>StationRH</a:t>
+            </a:r>
+            <a:r>
+              <a:rPr lang="en-US" altLang="ko-KR" sz="900" dirty="0"/>
+              <a:t>[RH_EXT]</a:t>
+            </a:r>
+            <a:endParaRPr lang="ko-KR" altLang="en-US" sz="900" dirty="0"/>
+          </a:p>
+        </p:txBody>
+      </p:sp>
     </p:spTree>
     <p:extLst>
       <p:ext uri="{BB962C8B-B14F-4D97-AF65-F5344CB8AC3E}">
